--- a/tSNE and UMAP/GLBIO2019_tSNE.pptx
+++ b/tSNE and UMAP/GLBIO2019_tSNE.pptx
@@ -206,7 +206,7 @@
           <a:p>
             <a:fld id="{C38776E9-1802-FB44-8AD1-BDE175A78723}" type="datetimeFigureOut">
               <a:rPr lang="en-US" smtClean="0"/>
-              <a:t>5/19/19</a:t>
+              <a:t>5/20/19</a:t>
             </a:fld>
             <a:endParaRPr lang="en-US"/>
           </a:p>
@@ -856,7 +856,7 @@
           <a:p>
             <a:fld id="{8052E4CF-FC11-1C41-A5B7-1EDEE817A6B9}" type="datetimeFigureOut">
               <a:rPr lang="en-US" smtClean="0"/>
-              <a:t>5/19/19</a:t>
+              <a:t>5/20/19</a:t>
             </a:fld>
             <a:endParaRPr lang="en-US"/>
           </a:p>
@@ -1026,7 +1026,7 @@
           <a:p>
             <a:fld id="{8052E4CF-FC11-1C41-A5B7-1EDEE817A6B9}" type="datetimeFigureOut">
               <a:rPr lang="en-US" smtClean="0"/>
-              <a:t>5/19/19</a:t>
+              <a:t>5/20/19</a:t>
             </a:fld>
             <a:endParaRPr lang="en-US"/>
           </a:p>
@@ -1206,7 +1206,7 @@
           <a:p>
             <a:fld id="{8052E4CF-FC11-1C41-A5B7-1EDEE817A6B9}" type="datetimeFigureOut">
               <a:rPr lang="en-US" smtClean="0"/>
-              <a:t>5/19/19</a:t>
+              <a:t>5/20/19</a:t>
             </a:fld>
             <a:endParaRPr lang="en-US"/>
           </a:p>
@@ -1376,7 +1376,7 @@
           <a:p>
             <a:fld id="{8052E4CF-FC11-1C41-A5B7-1EDEE817A6B9}" type="datetimeFigureOut">
               <a:rPr lang="en-US" smtClean="0"/>
-              <a:t>5/19/19</a:t>
+              <a:t>5/20/19</a:t>
             </a:fld>
             <a:endParaRPr lang="en-US"/>
           </a:p>
@@ -1620,7 +1620,7 @@
           <a:p>
             <a:fld id="{8052E4CF-FC11-1C41-A5B7-1EDEE817A6B9}" type="datetimeFigureOut">
               <a:rPr lang="en-US" smtClean="0"/>
-              <a:t>5/19/19</a:t>
+              <a:t>5/20/19</a:t>
             </a:fld>
             <a:endParaRPr lang="en-US"/>
           </a:p>
@@ -1852,7 +1852,7 @@
           <a:p>
             <a:fld id="{8052E4CF-FC11-1C41-A5B7-1EDEE817A6B9}" type="datetimeFigureOut">
               <a:rPr lang="en-US" smtClean="0"/>
-              <a:t>5/19/19</a:t>
+              <a:t>5/20/19</a:t>
             </a:fld>
             <a:endParaRPr lang="en-US"/>
           </a:p>
@@ -2219,7 +2219,7 @@
           <a:p>
             <a:fld id="{8052E4CF-FC11-1C41-A5B7-1EDEE817A6B9}" type="datetimeFigureOut">
               <a:rPr lang="en-US" smtClean="0"/>
-              <a:t>5/19/19</a:t>
+              <a:t>5/20/19</a:t>
             </a:fld>
             <a:endParaRPr lang="en-US"/>
           </a:p>
@@ -2337,7 +2337,7 @@
           <a:p>
             <a:fld id="{8052E4CF-FC11-1C41-A5B7-1EDEE817A6B9}" type="datetimeFigureOut">
               <a:rPr lang="en-US" smtClean="0"/>
-              <a:t>5/19/19</a:t>
+              <a:t>5/20/19</a:t>
             </a:fld>
             <a:endParaRPr lang="en-US"/>
           </a:p>
@@ -2432,7 +2432,7 @@
           <a:p>
             <a:fld id="{8052E4CF-FC11-1C41-A5B7-1EDEE817A6B9}" type="datetimeFigureOut">
               <a:rPr lang="en-US" smtClean="0"/>
-              <a:t>5/19/19</a:t>
+              <a:t>5/20/19</a:t>
             </a:fld>
             <a:endParaRPr lang="en-US"/>
           </a:p>
@@ -2709,7 +2709,7 @@
           <a:p>
             <a:fld id="{8052E4CF-FC11-1C41-A5B7-1EDEE817A6B9}" type="datetimeFigureOut">
               <a:rPr lang="en-US" smtClean="0"/>
-              <a:t>5/19/19</a:t>
+              <a:t>5/20/19</a:t>
             </a:fld>
             <a:endParaRPr lang="en-US"/>
           </a:p>
@@ -2966,7 +2966,7 @@
           <a:p>
             <a:fld id="{8052E4CF-FC11-1C41-A5B7-1EDEE817A6B9}" type="datetimeFigureOut">
               <a:rPr lang="en-US" smtClean="0"/>
-              <a:t>5/19/19</a:t>
+              <a:t>5/20/19</a:t>
             </a:fld>
             <a:endParaRPr lang="en-US"/>
           </a:p>
@@ -3179,7 +3179,7 @@
           <a:p>
             <a:fld id="{8052E4CF-FC11-1C41-A5B7-1EDEE817A6B9}" type="datetimeFigureOut">
               <a:rPr lang="en-US" smtClean="0"/>
-              <a:t>5/19/19</a:t>
+              <a:t>5/20/19</a:t>
             </a:fld>
             <a:endParaRPr lang="en-US"/>
           </a:p>
@@ -3868,6 +3868,22 @@
             <a:endParaRPr lang="en-US" sz="1800" dirty="0"/>
           </a:p>
           <a:p>
+            <a:pPr lvl="1">
+              <a:buFont typeface="Wingdings" pitchFamily="2" charset="2"/>
+              <a:buChar char="§"/>
+            </a:pPr>
+            <a:r>
+              <a:rPr lang="en-US" sz="1800" dirty="0">
+                <a:hlinkClick r:id="rId6"/>
+              </a:rPr>
+              <a:t>https://distill.pub/2016/misread-tsne/</a:t>
+            </a:r>
+            <a:r>
+              <a:rPr lang="en-US" sz="1800" dirty="0"/>
+              <a:t> </a:t>
+            </a:r>
+          </a:p>
+          <a:p>
             <a:pPr marL="457200" lvl="1" indent="0">
               <a:buNone/>
             </a:pPr>
@@ -5102,8 +5118,8 @@
           </a:fontRef>
         </p:style>
       </p:cxnSp>
-      <mc:AlternateContent xmlns:mc="http://schemas.openxmlformats.org/markup-compatibility/2006">
-        <mc:Choice xmlns:a14="http://schemas.microsoft.com/office/drawing/2010/main" Requires="a14">
+      <mc:AlternateContent xmlns:mc="http://schemas.openxmlformats.org/markup-compatibility/2006" xmlns:a14="http://schemas.microsoft.com/office/drawing/2010/main">
+        <mc:Choice Requires="a14">
           <p:sp>
             <p:nvSpPr>
               <p:cNvPr id="38" name="TextBox 37">
@@ -5132,6 +5148,7 @@
               </a:bodyPr>
               <a:lstStyle/>
               <a:p>
+                <a:pPr/>
                 <a14:m>
                   <m:oMathPara xmlns:m="http://schemas.openxmlformats.org/officeDocument/2006/math">
                     <m:oMathParaPr>
@@ -5184,7 +5201,7 @@
             </p:txBody>
           </p:sp>
         </mc:Choice>
-        <mc:Fallback>
+        <mc:Fallback xmlns="">
           <p:sp>
             <p:nvSpPr>
               <p:cNvPr id="38" name="TextBox 37">
@@ -5229,8 +5246,8 @@
           </p:sp>
         </mc:Fallback>
       </mc:AlternateContent>
-      <mc:AlternateContent xmlns:mc="http://schemas.openxmlformats.org/markup-compatibility/2006">
-        <mc:Choice xmlns:a14="http://schemas.microsoft.com/office/drawing/2010/main" Requires="a14">
+      <mc:AlternateContent xmlns:mc="http://schemas.openxmlformats.org/markup-compatibility/2006" xmlns:a14="http://schemas.microsoft.com/office/drawing/2010/main">
+        <mc:Choice Requires="a14">
           <p:sp>
             <p:nvSpPr>
               <p:cNvPr id="41" name="TextBox 40">
@@ -5259,6 +5276,7 @@
               </a:bodyPr>
               <a:lstStyle/>
               <a:p>
+                <a:pPr/>
                 <a14:m>
                   <m:oMathPara xmlns:m="http://schemas.openxmlformats.org/officeDocument/2006/math">
                     <m:oMathParaPr>
@@ -5311,7 +5329,7 @@
             </p:txBody>
           </p:sp>
         </mc:Choice>
-        <mc:Fallback>
+        <mc:Fallback xmlns="">
           <p:sp>
             <p:nvSpPr>
               <p:cNvPr id="41" name="TextBox 40">
@@ -5356,8 +5374,8 @@
           </p:sp>
         </mc:Fallback>
       </mc:AlternateContent>
-      <mc:AlternateContent xmlns:mc="http://schemas.openxmlformats.org/markup-compatibility/2006">
-        <mc:Choice xmlns:a14="http://schemas.microsoft.com/office/drawing/2010/main" Requires="a14">
+      <mc:AlternateContent xmlns:mc="http://schemas.openxmlformats.org/markup-compatibility/2006" xmlns:a14="http://schemas.microsoft.com/office/drawing/2010/main">
+        <mc:Choice Requires="a14">
           <p:sp>
             <p:nvSpPr>
               <p:cNvPr id="43" name="TextBox 42">
@@ -5386,6 +5404,7 @@
               </a:bodyPr>
               <a:lstStyle/>
               <a:p>
+                <a:pPr/>
                 <a14:m>
                   <m:oMathPara xmlns:m="http://schemas.openxmlformats.org/officeDocument/2006/math">
                     <m:oMathParaPr>
@@ -5449,7 +5468,7 @@
             </p:txBody>
           </p:sp>
         </mc:Choice>
-        <mc:Fallback>
+        <mc:Fallback xmlns="">
           <p:sp>
             <p:nvSpPr>
               <p:cNvPr id="43" name="TextBox 42">
@@ -5494,8 +5513,8 @@
           </p:sp>
         </mc:Fallback>
       </mc:AlternateContent>
-      <mc:AlternateContent xmlns:mc="http://schemas.openxmlformats.org/markup-compatibility/2006">
-        <mc:Choice xmlns:a14="http://schemas.microsoft.com/office/drawing/2010/main" Requires="a14">
+      <mc:AlternateContent xmlns:mc="http://schemas.openxmlformats.org/markup-compatibility/2006" xmlns:a14="http://schemas.microsoft.com/office/drawing/2010/main">
+        <mc:Choice Requires="a14">
           <p:sp>
             <p:nvSpPr>
               <p:cNvPr id="44" name="TextBox 43">
@@ -5524,6 +5543,7 @@
               </a:bodyPr>
               <a:lstStyle/>
               <a:p>
+                <a:pPr/>
                 <a14:m>
                   <m:oMathPara xmlns:m="http://schemas.openxmlformats.org/officeDocument/2006/math">
                     <m:oMathParaPr>
@@ -5587,7 +5607,7 @@
             </p:txBody>
           </p:sp>
         </mc:Choice>
-        <mc:Fallback>
+        <mc:Fallback xmlns="">
           <p:sp>
             <p:nvSpPr>
               <p:cNvPr id="44" name="TextBox 43">
@@ -5901,8 +5921,8 @@
           </a:p>
         </p:txBody>
       </p:sp>
-      <mc:AlternateContent xmlns:mc="http://schemas.openxmlformats.org/markup-compatibility/2006">
-        <mc:Choice xmlns:a14="http://schemas.microsoft.com/office/drawing/2010/main" Requires="a14">
+      <mc:AlternateContent xmlns:mc="http://schemas.openxmlformats.org/markup-compatibility/2006" xmlns:a14="http://schemas.microsoft.com/office/drawing/2010/main">
+        <mc:Choice Requires="a14">
           <p:sp>
             <p:nvSpPr>
               <p:cNvPr id="14" name="Content Placeholder 13">
@@ -6042,7 +6062,7 @@
             </p:txBody>
           </p:sp>
         </mc:Choice>
-        <mc:Fallback>
+        <mc:Fallback xmlns="">
           <p:sp>
             <p:nvSpPr>
               <p:cNvPr id="14" name="Content Placeholder 13">
@@ -6336,8 +6356,8 @@
           </a:p>
         </p:txBody>
       </p:sp>
-      <mc:AlternateContent xmlns:mc="http://schemas.openxmlformats.org/markup-compatibility/2006">
-        <mc:Choice xmlns:a14="http://schemas.microsoft.com/office/drawing/2010/main" Requires="a14">
+      <mc:AlternateContent xmlns:mc="http://schemas.openxmlformats.org/markup-compatibility/2006" xmlns:a14="http://schemas.microsoft.com/office/drawing/2010/main">
+        <mc:Choice Requires="a14">
           <p:sp>
             <p:nvSpPr>
               <p:cNvPr id="4" name="Content Placeholder 13">
@@ -6539,7 +6559,7 @@
             </p:txBody>
           </p:sp>
         </mc:Choice>
-        <mc:Fallback>
+        <mc:Fallback xmlns="">
           <p:sp>
             <p:nvSpPr>
               <p:cNvPr id="4" name="Content Placeholder 13">
@@ -6673,8 +6693,8 @@
           </a:p>
         </p:txBody>
       </p:sp>
-      <mc:AlternateContent xmlns:mc="http://schemas.openxmlformats.org/markup-compatibility/2006">
-        <mc:Choice xmlns:a14="http://schemas.microsoft.com/office/drawing/2010/main" Requires="a14">
+      <mc:AlternateContent xmlns:mc="http://schemas.openxmlformats.org/markup-compatibility/2006" xmlns:a14="http://schemas.microsoft.com/office/drawing/2010/main">
+        <mc:Choice Requires="a14">
           <p:sp>
             <p:nvSpPr>
               <p:cNvPr id="4" name="Content Placeholder 13">
@@ -6746,16 +6766,7 @@
                             </a:solidFill>
                             <a:latin typeface="Cambria Math" panose="02040503050406030204" pitchFamily="18" charset="0"/>
                           </a:rPr>
-                          <m:t>𝑖</m:t>
-                        </m:r>
-                        <m:r>
-                          <a:rPr lang="en-US" sz="2200" i="1">
-                            <a:solidFill>
-                              <a:schemeClr val="tx1"/>
-                            </a:solidFill>
-                            <a:latin typeface="Cambria Math" panose="02040503050406030204" pitchFamily="18" charset="0"/>
-                          </a:rPr>
-                          <m:t>𝑗</m:t>
+                          <m:t>𝑖𝑗</m:t>
                         </m:r>
                       </m:sub>
                     </m:sSub>
@@ -6833,7 +6844,7 @@
             </p:txBody>
           </p:sp>
         </mc:Choice>
-        <mc:Fallback>
+        <mc:Fallback xmlns="">
           <p:sp>
             <p:nvSpPr>
               <p:cNvPr id="4" name="Content Placeholder 13">
@@ -6984,8 +6995,8 @@
           </a:p>
         </p:txBody>
       </p:sp>
-      <mc:AlternateContent xmlns:mc="http://schemas.openxmlformats.org/markup-compatibility/2006">
-        <mc:Choice xmlns:a14="http://schemas.microsoft.com/office/drawing/2010/main" Requires="a14">
+      <mc:AlternateContent xmlns:mc="http://schemas.openxmlformats.org/markup-compatibility/2006" xmlns:a14="http://schemas.microsoft.com/office/drawing/2010/main">
+        <mc:Choice Requires="a14">
           <p:sp>
             <p:nvSpPr>
               <p:cNvPr id="3" name="Content Placeholder 2">
@@ -7084,13 +7095,7 @@
                           <a:rPr lang="en-US" sz="2200" i="1">
                             <a:latin typeface="Cambria Math" panose="02040503050406030204" pitchFamily="18" charset="0"/>
                           </a:rPr>
-                          <m:t>𝑖</m:t>
-                        </m:r>
-                        <m:r>
-                          <a:rPr lang="en-US" sz="2200" i="1">
-                            <a:latin typeface="Cambria Math" panose="02040503050406030204" pitchFamily="18" charset="0"/>
-                          </a:rPr>
-                          <m:t>𝑗</m:t>
+                          <m:t>𝑖𝑗</m:t>
                         </m:r>
                       </m:sub>
                     </m:sSub>
@@ -7144,7 +7149,7 @@
             </p:txBody>
           </p:sp>
         </mc:Choice>
-        <mc:Fallback>
+        <mc:Fallback xmlns="">
           <p:sp>
             <p:nvSpPr>
               <p:cNvPr id="3" name="Content Placeholder 2">
